--- a/Presentation/Presentation.pptx
+++ b/Presentation/Presentation.pptx
@@ -5,7 +5,7 @@
     <p:sldMasterId id="2147483747" r:id="rId1"/>
   </p:sldMasterIdLst>
   <p:notesMasterIdLst>
-    <p:notesMasterId r:id="rId11"/>
+    <p:notesMasterId r:id="rId12"/>
   </p:notesMasterIdLst>
   <p:sldIdLst>
     <p:sldId id="256" r:id="rId2"/>
@@ -17,6 +17,7 @@
     <p:sldId id="262" r:id="rId8"/>
     <p:sldId id="263" r:id="rId9"/>
     <p:sldId id="264" r:id="rId10"/>
+    <p:sldId id="265" r:id="rId11"/>
   </p:sldIdLst>
   <p:sldSz cx="12192000" cy="6858000"/>
   <p:notesSz cx="6858000" cy="9144000"/>
@@ -115,6 +116,11 @@
       </a:defRPr>
     </a:lvl9pPr>
   </p:defaultTextStyle>
+  <p:extLst>
+    <p:ext uri="{EFAFB233-063F-42B5-8137-9DF3F51BA10A}">
+      <p15:sldGuideLst xmlns:p15="http://schemas.microsoft.com/office/powerpoint/2012/main"/>
+    </p:ext>
+  </p:extLst>
 </p:presentation>
 </file>
 
@@ -4016,6 +4022,126 @@
 </p:sld>
 </file>
 
+<file path=ppt/slides/slide10.xml><?xml version="1.0" encoding="utf-8"?>
+<p:sld xmlns:a="http://schemas.openxmlformats.org/drawingml/2006/main" xmlns:r="http://schemas.openxmlformats.org/officeDocument/2006/relationships" xmlns:p="http://schemas.openxmlformats.org/presentationml/2006/main">
+  <p:cSld>
+    <p:spTree>
+      <p:nvGrpSpPr>
+        <p:cNvPr id="1" name=""/>
+        <p:cNvGrpSpPr/>
+        <p:nvPr/>
+      </p:nvGrpSpPr>
+      <p:grpSpPr>
+        <a:xfrm>
+          <a:off x="0" y="0"/>
+          <a:ext cx="0" cy="0"/>
+          <a:chOff x="0" y="0"/>
+          <a:chExt cx="0" cy="0"/>
+        </a:xfrm>
+      </p:grpSpPr>
+      <p:sp>
+        <p:nvSpPr>
+          <p:cNvPr id="2" name="Title 1"/>
+          <p:cNvSpPr>
+            <a:spLocks noGrp="1"/>
+          </p:cNvSpPr>
+          <p:nvPr>
+            <p:ph type="title"/>
+          </p:nvPr>
+        </p:nvSpPr>
+        <p:spPr/>
+        <p:txBody>
+          <a:bodyPr/>
+          <a:lstStyle/>
+          <a:p>
+            <a:r>
+              <a:rPr lang="en-US" dirty="0" smtClean="0"/>
+              <a:t>Solution:</a:t>
+            </a:r>
+            <a:br>
+              <a:rPr lang="en-US" dirty="0" smtClean="0"/>
+            </a:br>
+            <a:r>
+              <a:rPr lang="en-US" dirty="0" smtClean="0"/>
+              <a:t>Difference Spotting</a:t>
+            </a:r>
+            <a:endParaRPr lang="en-US" dirty="0"/>
+          </a:p>
+        </p:txBody>
+      </p:sp>
+      <p:sp>
+        <p:nvSpPr>
+          <p:cNvPr id="3" name="Content Placeholder 2"/>
+          <p:cNvSpPr>
+            <a:spLocks noGrp="1"/>
+          </p:cNvSpPr>
+          <p:nvPr>
+            <p:ph idx="1"/>
+          </p:nvPr>
+        </p:nvSpPr>
+        <p:spPr/>
+        <p:txBody>
+          <a:bodyPr>
+            <a:normAutofit/>
+          </a:bodyPr>
+          <a:lstStyle/>
+          <a:p>
+            <a:r>
+              <a:rPr lang="en-US" sz="2800" dirty="0" smtClean="0"/>
+              <a:t>Spotting the difference:</a:t>
+            </a:r>
+          </a:p>
+          <a:p>
+            <a:pPr marL="514350" indent="-514350">
+              <a:buFont typeface="+mj-lt"/>
+              <a:buAutoNum type="arabicPeriod"/>
+            </a:pPr>
+            <a:r>
+              <a:rPr lang="en-US" sz="2800" dirty="0"/>
+              <a:t>	</a:t>
+            </a:r>
+            <a:r>
+              <a:rPr lang="en-US" sz="2800" dirty="0" smtClean="0"/>
+              <a:t>Regions of image compared in grayscale</a:t>
+            </a:r>
+            <a:endParaRPr lang="en-US" sz="2600" dirty="0"/>
+          </a:p>
+          <a:p>
+            <a:pPr marL="514350" indent="-514350">
+              <a:buFont typeface="+mj-lt"/>
+              <a:buAutoNum type="arabicPeriod"/>
+            </a:pPr>
+            <a:r>
+              <a:rPr lang="en-US" sz="2600" dirty="0" smtClean="0"/>
+              <a:t>    Sum of pixel values averaged</a:t>
+            </a:r>
+            <a:endParaRPr lang="en-US" sz="2600" dirty="0"/>
+          </a:p>
+          <a:p>
+            <a:pPr marL="514350" indent="-514350">
+              <a:buFont typeface="+mj-lt"/>
+              <a:buAutoNum type="arabicPeriod"/>
+            </a:pPr>
+            <a:r>
+              <a:rPr lang="en-US" sz="2600" dirty="0" smtClean="0"/>
+              <a:t>    Regions exceeding threshold marked as different </a:t>
+            </a:r>
+          </a:p>
+        </p:txBody>
+      </p:sp>
+    </p:spTree>
+    <p:extLst>
+      <p:ext uri="{BB962C8B-B14F-4D97-AF65-F5344CB8AC3E}">
+        <p14:creationId xmlns:p14="http://schemas.microsoft.com/office/powerpoint/2010/main" val="2465364466"/>
+      </p:ext>
+    </p:extLst>
+  </p:cSld>
+  <p:clrMapOvr>
+    <a:masterClrMapping/>
+  </p:clrMapOvr>
+</p:sld>
+</file>
+
 <file path=ppt/slides/slide2.xml><?xml version="1.0" encoding="utf-8"?>
 <p:sld xmlns:a="http://schemas.openxmlformats.org/drawingml/2006/main" xmlns:r="http://schemas.openxmlformats.org/officeDocument/2006/relationships" xmlns:p="http://schemas.openxmlformats.org/presentationml/2006/main">
   <p:cSld>
@@ -4561,25 +4687,35 @@
           <a:lstStyle/>
           <a:p>
             <a:r>
-              <a:rPr lang="en-US" sz="2400" dirty="0" smtClean="0"/>
-              <a:t>SSIM – Structural Similarity Index (Detection of differences)</a:t>
-            </a:r>
-          </a:p>
-          <a:p>
-            <a:r>
-              <a:rPr lang="en-US" sz="2400" dirty="0" err="1" smtClean="0"/>
+              <a:rPr lang="en-US" sz="2800" dirty="0" smtClean="0"/>
+              <a:t>SSIM – Structural Similarity Index </a:t>
+            </a:r>
+            <a:r>
+              <a:rPr lang="en-US" sz="2800" dirty="0" smtClean="0"/>
+              <a:t>(Difference detection)</a:t>
+            </a:r>
+            <a:endParaRPr lang="en-US" sz="2800" dirty="0" smtClean="0"/>
+          </a:p>
+          <a:p>
+            <a:r>
+              <a:rPr lang="en-US" sz="2800" dirty="0" err="1" smtClean="0"/>
               <a:t>OpenCV</a:t>
             </a:r>
             <a:r>
-              <a:rPr lang="en-US" sz="2400" dirty="0" smtClean="0"/>
+              <a:rPr lang="en-US" sz="2800" dirty="0" smtClean="0"/>
               <a:t> Grab Cut (ROI Extraction)</a:t>
             </a:r>
           </a:p>
           <a:p>
             <a:r>
-              <a:rPr lang="en-US" sz="2400" dirty="0" smtClean="0"/>
-              <a:t>Self made algorithms  (ROI Extraction)</a:t>
-            </a:r>
+              <a:rPr lang="en-US" sz="2800" dirty="0" smtClean="0"/>
+              <a:t>Self made algorithms  (ROI </a:t>
+            </a:r>
+            <a:r>
+              <a:rPr lang="en-US" sz="2800" dirty="0" smtClean="0"/>
+              <a:t>Extraction, difference detection)</a:t>
+            </a:r>
+            <a:endParaRPr lang="en-US" sz="2800" dirty="0" smtClean="0"/>
           </a:p>
           <a:p>
             <a:endParaRPr lang="en-US" dirty="0"/>
@@ -4882,12 +5018,28 @@
             <p:ph type="title"/>
           </p:nvPr>
         </p:nvSpPr>
-        <p:spPr/>
-        <p:txBody>
-          <a:bodyPr/>
-          <a:lstStyle/>
-          <a:p>
-            <a:endParaRPr lang="en-US"/>
+        <p:spPr>
+          <a:xfrm>
+            <a:off x="2231136" y="964691"/>
+            <a:ext cx="7729728" cy="1404883"/>
+          </a:xfrm>
+        </p:spPr>
+        <p:txBody>
+          <a:bodyPr/>
+          <a:lstStyle/>
+          <a:p>
+            <a:r>
+              <a:rPr lang="en-US" dirty="0" smtClean="0"/>
+              <a:t>Solution: </a:t>
+            </a:r>
+            <a:br>
+              <a:rPr lang="en-US" dirty="0" smtClean="0"/>
+            </a:br>
+            <a:r>
+              <a:rPr lang="en-US" dirty="0" smtClean="0"/>
+              <a:t>background extraction</a:t>
+            </a:r>
+            <a:endParaRPr lang="en-US" dirty="0"/>
           </a:p>
         </p:txBody>
       </p:sp>
@@ -4903,10 +5055,77 @@
         </p:nvSpPr>
         <p:spPr/>
         <p:txBody>
-          <a:bodyPr/>
-          <a:lstStyle/>
-          <a:p>
-            <a:endParaRPr lang="en-US"/>
+          <a:bodyPr>
+            <a:normAutofit/>
+          </a:bodyPr>
+          <a:lstStyle/>
+          <a:p>
+            <a:r>
+              <a:rPr lang="en-US" sz="2800" dirty="0" smtClean="0"/>
+              <a:t>Background </a:t>
+            </a:r>
+            <a:r>
+              <a:rPr lang="en-US" sz="2800" dirty="0"/>
+              <a:t>extraction: Manual </a:t>
+            </a:r>
+            <a:r>
+              <a:rPr lang="en-US" sz="2800" dirty="0" smtClean="0"/>
+              <a:t>method</a:t>
+            </a:r>
+          </a:p>
+          <a:p>
+            <a:pPr marL="514350" indent="-514350">
+              <a:buFont typeface="+mj-lt"/>
+              <a:buAutoNum type="arabicPeriod"/>
+            </a:pPr>
+            <a:r>
+              <a:rPr lang="en-US" sz="2800" dirty="0"/>
+              <a:t>	</a:t>
+            </a:r>
+            <a:r>
+              <a:rPr lang="en-US" sz="2800" dirty="0" smtClean="0"/>
+              <a:t>YUV extraction, crop based on outline</a:t>
+            </a:r>
+          </a:p>
+          <a:p>
+            <a:pPr marL="514350" indent="-514350">
+              <a:buFont typeface="+mj-lt"/>
+              <a:buAutoNum type="arabicPeriod"/>
+            </a:pPr>
+            <a:r>
+              <a:rPr lang="en-US" sz="2800" dirty="0"/>
+              <a:t>	</a:t>
+            </a:r>
+            <a:r>
+              <a:rPr lang="en-US" sz="2800" dirty="0" smtClean="0"/>
+              <a:t>Dilate output</a:t>
+            </a:r>
+          </a:p>
+          <a:p>
+            <a:pPr marL="514350" indent="-514350">
+              <a:buFont typeface="+mj-lt"/>
+              <a:buAutoNum type="arabicPeriod"/>
+            </a:pPr>
+            <a:r>
+              <a:rPr lang="en-US" sz="2800" dirty="0"/>
+              <a:t>	</a:t>
+            </a:r>
+            <a:r>
+              <a:rPr lang="en-US" sz="2800" dirty="0" smtClean="0"/>
+              <a:t>Median blur, normalize and apply </a:t>
+            </a:r>
+            <a:r>
+              <a:rPr lang="en-US" sz="2800" dirty="0" err="1" smtClean="0"/>
+              <a:t>clahe</a:t>
+            </a:r>
+            <a:endParaRPr lang="en-US" sz="2600" dirty="0" smtClean="0"/>
+          </a:p>
+          <a:p>
+            <a:pPr marL="514350" indent="-514350">
+              <a:buFont typeface="+mj-lt"/>
+              <a:buAutoNum type="arabicPeriod"/>
+            </a:pPr>
+            <a:endParaRPr lang="en-US" dirty="0"/>
           </a:p>
         </p:txBody>
       </p:sp>

--- a/Presentation/Presentation.pptx
+++ b/Presentation/Presentation.pptx
@@ -5,7 +5,7 @@
     <p:sldMasterId id="2147483747" r:id="rId1"/>
   </p:sldMasterIdLst>
   <p:notesMasterIdLst>
-    <p:notesMasterId r:id="rId12"/>
+    <p:notesMasterId r:id="rId13"/>
   </p:notesMasterIdLst>
   <p:sldIdLst>
     <p:sldId id="256" r:id="rId2"/>
@@ -18,6 +18,7 @@
     <p:sldId id="263" r:id="rId9"/>
     <p:sldId id="264" r:id="rId10"/>
     <p:sldId id="265" r:id="rId11"/>
+    <p:sldId id="266" r:id="rId12"/>
   </p:sldIdLst>
   <p:sldSz cx="12192000" cy="6858000"/>
   <p:notesSz cx="6858000" cy="9144000"/>
@@ -4139,6 +4140,93 @@
   <p:clrMapOvr>
     <a:masterClrMapping/>
   </p:clrMapOvr>
+  <p:timing>
+    <p:tnLst>
+      <p:par>
+        <p:cTn id="1" dur="indefinite" restart="never" nodeType="tmRoot"/>
+      </p:par>
+    </p:tnLst>
+  </p:timing>
+</p:sld>
+</file>
+
+<file path=ppt/slides/slide11.xml><?xml version="1.0" encoding="utf-8"?>
+<p:sld xmlns:a="http://schemas.openxmlformats.org/drawingml/2006/main" xmlns:r="http://schemas.openxmlformats.org/officeDocument/2006/relationships" xmlns:p="http://schemas.openxmlformats.org/presentationml/2006/main">
+  <p:cSld>
+    <p:spTree>
+      <p:nvGrpSpPr>
+        <p:cNvPr id="1" name=""/>
+        <p:cNvGrpSpPr/>
+        <p:nvPr/>
+      </p:nvGrpSpPr>
+      <p:grpSpPr>
+        <a:xfrm>
+          <a:off x="0" y="0"/>
+          <a:ext cx="0" cy="0"/>
+          <a:chOff x="0" y="0"/>
+          <a:chExt cx="0" cy="0"/>
+        </a:xfrm>
+      </p:grpSpPr>
+      <p:sp>
+        <p:nvSpPr>
+          <p:cNvPr id="2" name="Title 1"/>
+          <p:cNvSpPr>
+            <a:spLocks noGrp="1"/>
+          </p:cNvSpPr>
+          <p:nvPr>
+            <p:ph type="title"/>
+          </p:nvPr>
+        </p:nvSpPr>
+        <p:spPr/>
+        <p:txBody>
+          <a:bodyPr/>
+          <a:lstStyle/>
+          <a:p>
+            <a:r>
+              <a:rPr lang="en-US" dirty="0" smtClean="0"/>
+              <a:t>Results</a:t>
+            </a:r>
+            <a:endParaRPr lang="en-US" dirty="0"/>
+          </a:p>
+        </p:txBody>
+      </p:sp>
+      <p:sp>
+        <p:nvSpPr>
+          <p:cNvPr id="3" name="Content Placeholder 2"/>
+          <p:cNvSpPr>
+            <a:spLocks noGrp="1"/>
+          </p:cNvSpPr>
+          <p:nvPr>
+            <p:ph idx="1"/>
+          </p:nvPr>
+        </p:nvSpPr>
+        <p:spPr/>
+        <p:txBody>
+          <a:bodyPr/>
+          <a:lstStyle/>
+          <a:p>
+            <a:r>
+              <a:rPr lang="en-US" dirty="0" smtClean="0"/>
+              <a:t>** </a:t>
+            </a:r>
+            <a:r>
+              <a:rPr lang="en-US" smtClean="0"/>
+              <a:t>insert images</a:t>
+            </a:r>
+            <a:endParaRPr lang="en-US" dirty="0"/>
+          </a:p>
+        </p:txBody>
+      </p:sp>
+    </p:spTree>
+    <p:extLst>
+      <p:ext uri="{BB962C8B-B14F-4D97-AF65-F5344CB8AC3E}">
+        <p14:creationId xmlns:p14="http://schemas.microsoft.com/office/powerpoint/2010/main" val="2363097230"/>
+      </p:ext>
+    </p:extLst>
+  </p:cSld>
+  <p:clrMapOvr>
+    <a:masterClrMapping/>
+  </p:clrMapOvr>
 </p:sld>
 </file>
 
@@ -4688,13 +4776,8 @@
           <a:p>
             <a:r>
               <a:rPr lang="en-US" sz="2800" dirty="0" smtClean="0"/>
-              <a:t>SSIM – Structural Similarity Index </a:t>
-            </a:r>
-            <a:r>
-              <a:rPr lang="en-US" sz="2800" dirty="0" smtClean="0"/>
-              <a:t>(Difference detection)</a:t>
-            </a:r>
-            <a:endParaRPr lang="en-US" sz="2800" dirty="0" smtClean="0"/>
+              <a:t>SSIM – Structural Similarity Index (Difference detection)</a:t>
+            </a:r>
           </a:p>
           <a:p>
             <a:r>
@@ -4709,13 +4792,8 @@
           <a:p>
             <a:r>
               <a:rPr lang="en-US" sz="2800" dirty="0" smtClean="0"/>
-              <a:t>Self made algorithms  (ROI </a:t>
-            </a:r>
-            <a:r>
-              <a:rPr lang="en-US" sz="2800" dirty="0" smtClean="0"/>
-              <a:t>Extraction, difference detection)</a:t>
-            </a:r>
-            <a:endParaRPr lang="en-US" sz="2800" dirty="0" smtClean="0"/>
+              <a:t>Self made algorithms  (ROI Extraction, difference detection)</a:t>
+            </a:r>
           </a:p>
           <a:p>
             <a:endParaRPr lang="en-US" dirty="0"/>

--- a/Presentation/Presentation.pptx
+++ b/Presentation/Presentation.pptx
@@ -5,20 +5,16 @@
     <p:sldMasterId id="2147483747" r:id="rId1"/>
   </p:sldMasterIdLst>
   <p:notesMasterIdLst>
-    <p:notesMasterId r:id="rId13"/>
+    <p:notesMasterId r:id="rId9"/>
   </p:notesMasterIdLst>
   <p:sldIdLst>
     <p:sldId id="256" r:id="rId2"/>
     <p:sldId id="257" r:id="rId3"/>
     <p:sldId id="258" r:id="rId4"/>
-    <p:sldId id="259" r:id="rId5"/>
-    <p:sldId id="260" r:id="rId6"/>
-    <p:sldId id="261" r:id="rId7"/>
-    <p:sldId id="262" r:id="rId8"/>
-    <p:sldId id="263" r:id="rId9"/>
-    <p:sldId id="264" r:id="rId10"/>
-    <p:sldId id="265" r:id="rId11"/>
-    <p:sldId id="266" r:id="rId12"/>
+    <p:sldId id="267" r:id="rId5"/>
+    <p:sldId id="264" r:id="rId6"/>
+    <p:sldId id="265" r:id="rId7"/>
+    <p:sldId id="266" r:id="rId8"/>
   </p:sldIdLst>
   <p:sldSz cx="12192000" cy="6858000"/>
   <p:notesSz cx="6858000" cy="9144000"/>
@@ -207,7 +203,7 @@
           <a:p>
             <a:fld id="{AF0CD362-120B-4757-907E-F2E726F070DB}" type="datetimeFigureOut">
               <a:rPr lang="en-US" smtClean="0"/>
-              <a:t>22-Nov-18</a:t>
+              <a:t>28-Nov-18</a:t>
             </a:fld>
             <a:endParaRPr lang="en-US"/>
           </a:p>
@@ -559,190 +555,6 @@
 </p:notes>
 </file>
 
-<file path=ppt/notesSlides/notesSlide2.xml><?xml version="1.0" encoding="utf-8"?>
-<p:notes xmlns:a="http://schemas.openxmlformats.org/drawingml/2006/main" xmlns:r="http://schemas.openxmlformats.org/officeDocument/2006/relationships" xmlns:p="http://schemas.openxmlformats.org/presentationml/2006/main">
-  <p:cSld>
-    <p:spTree>
-      <p:nvGrpSpPr>
-        <p:cNvPr id="1" name=""/>
-        <p:cNvGrpSpPr/>
-        <p:nvPr/>
-      </p:nvGrpSpPr>
-      <p:grpSpPr>
-        <a:xfrm>
-          <a:off x="0" y="0"/>
-          <a:ext cx="0" cy="0"/>
-          <a:chOff x="0" y="0"/>
-          <a:chExt cx="0" cy="0"/>
-        </a:xfrm>
-      </p:grpSpPr>
-      <p:sp>
-        <p:nvSpPr>
-          <p:cNvPr id="2" name="Slide Image Placeholder 1"/>
-          <p:cNvSpPr>
-            <a:spLocks noGrp="1" noRot="1" noChangeAspect="1"/>
-          </p:cNvSpPr>
-          <p:nvPr>
-            <p:ph type="sldImg"/>
-          </p:nvPr>
-        </p:nvSpPr>
-        <p:spPr/>
-      </p:sp>
-      <p:sp>
-        <p:nvSpPr>
-          <p:cNvPr id="3" name="Notes Placeholder 2"/>
-          <p:cNvSpPr>
-            <a:spLocks noGrp="1"/>
-          </p:cNvSpPr>
-          <p:nvPr>
-            <p:ph type="body" idx="1"/>
-          </p:nvPr>
-        </p:nvSpPr>
-        <p:spPr/>
-        <p:txBody>
-          <a:bodyPr/>
-          <a:lstStyle/>
-          <a:p>
-            <a:r>
-              <a:rPr lang="en-US" dirty="0" smtClean="0"/>
-              <a:t>Flash, different angles, different</a:t>
-            </a:r>
-            <a:r>
-              <a:rPr lang="en-US" baseline="0" dirty="0" smtClean="0"/>
-              <a:t> perspective makes direct pixel comparison impossible. </a:t>
-            </a:r>
-            <a:endParaRPr lang="en-US" dirty="0"/>
-          </a:p>
-        </p:txBody>
-      </p:sp>
-      <p:sp>
-        <p:nvSpPr>
-          <p:cNvPr id="4" name="Slide Number Placeholder 3"/>
-          <p:cNvSpPr>
-            <a:spLocks noGrp="1"/>
-          </p:cNvSpPr>
-          <p:nvPr>
-            <p:ph type="sldNum" sz="quarter" idx="10"/>
-          </p:nvPr>
-        </p:nvSpPr>
-        <p:spPr/>
-        <p:txBody>
-          <a:bodyPr/>
-          <a:lstStyle/>
-          <a:p>
-            <a:fld id="{00C0D3A1-0831-4E7F-8EE6-46533FDE0D7D}" type="slidenum">
-              <a:rPr lang="en-US" smtClean="0"/>
-              <a:t>4</a:t>
-            </a:fld>
-            <a:endParaRPr lang="en-US"/>
-          </a:p>
-        </p:txBody>
-      </p:sp>
-    </p:spTree>
-    <p:extLst>
-      <p:ext uri="{BB962C8B-B14F-4D97-AF65-F5344CB8AC3E}">
-        <p14:creationId xmlns:p14="http://schemas.microsoft.com/office/powerpoint/2010/main" val="1599738388"/>
-      </p:ext>
-    </p:extLst>
-  </p:cSld>
-  <p:clrMapOvr>
-    <a:masterClrMapping/>
-  </p:clrMapOvr>
-</p:notes>
-</file>
-
-<file path=ppt/notesSlides/notesSlide3.xml><?xml version="1.0" encoding="utf-8"?>
-<p:notes xmlns:a="http://schemas.openxmlformats.org/drawingml/2006/main" xmlns:r="http://schemas.openxmlformats.org/officeDocument/2006/relationships" xmlns:p="http://schemas.openxmlformats.org/presentationml/2006/main">
-  <p:cSld>
-    <p:spTree>
-      <p:nvGrpSpPr>
-        <p:cNvPr id="1" name=""/>
-        <p:cNvGrpSpPr/>
-        <p:nvPr/>
-      </p:nvGrpSpPr>
-      <p:grpSpPr>
-        <a:xfrm>
-          <a:off x="0" y="0"/>
-          <a:ext cx="0" cy="0"/>
-          <a:chOff x="0" y="0"/>
-          <a:chExt cx="0" cy="0"/>
-        </a:xfrm>
-      </p:grpSpPr>
-      <p:sp>
-        <p:nvSpPr>
-          <p:cNvPr id="2" name="Slide Image Placeholder 1"/>
-          <p:cNvSpPr>
-            <a:spLocks noGrp="1" noRot="1" noChangeAspect="1"/>
-          </p:cNvSpPr>
-          <p:nvPr>
-            <p:ph type="sldImg"/>
-          </p:nvPr>
-        </p:nvSpPr>
-        <p:spPr/>
-      </p:sp>
-      <p:sp>
-        <p:nvSpPr>
-          <p:cNvPr id="3" name="Notes Placeholder 2"/>
-          <p:cNvSpPr>
-            <a:spLocks noGrp="1"/>
-          </p:cNvSpPr>
-          <p:nvPr>
-            <p:ph type="body" idx="1"/>
-          </p:nvPr>
-        </p:nvSpPr>
-        <p:spPr/>
-        <p:txBody>
-          <a:bodyPr/>
-          <a:lstStyle/>
-          <a:p>
-            <a:r>
-              <a:rPr lang="en-US" dirty="0" smtClean="0"/>
-              <a:t>Direct</a:t>
-            </a:r>
-            <a:r>
-              <a:rPr lang="en-US" baseline="0" dirty="0" smtClean="0"/>
-              <a:t> pixel comparison possible given the fact that images have the same orientation, perspective and size. This is not the case with our project source images.</a:t>
-            </a:r>
-            <a:endParaRPr lang="en-US" dirty="0"/>
-          </a:p>
-        </p:txBody>
-      </p:sp>
-      <p:sp>
-        <p:nvSpPr>
-          <p:cNvPr id="4" name="Slide Number Placeholder 3"/>
-          <p:cNvSpPr>
-            <a:spLocks noGrp="1"/>
-          </p:cNvSpPr>
-          <p:nvPr>
-            <p:ph type="sldNum" sz="quarter" idx="10"/>
-          </p:nvPr>
-        </p:nvSpPr>
-        <p:spPr/>
-        <p:txBody>
-          <a:bodyPr/>
-          <a:lstStyle/>
-          <a:p>
-            <a:fld id="{00C0D3A1-0831-4E7F-8EE6-46533FDE0D7D}" type="slidenum">
-              <a:rPr lang="en-US" smtClean="0"/>
-              <a:t>5</a:t>
-            </a:fld>
-            <a:endParaRPr lang="en-US"/>
-          </a:p>
-        </p:txBody>
-      </p:sp>
-    </p:spTree>
-    <p:extLst>
-      <p:ext uri="{BB962C8B-B14F-4D97-AF65-F5344CB8AC3E}">
-        <p14:creationId xmlns:p14="http://schemas.microsoft.com/office/powerpoint/2010/main" val="260662523"/>
-      </p:ext>
-    </p:extLst>
-  </p:cSld>
-  <p:clrMapOvr>
-    <a:masterClrMapping/>
-  </p:clrMapOvr>
-</p:notes>
-</file>
-
 <file path=ppt/slideLayouts/slideLayout1.xml><?xml version="1.0" encoding="utf-8"?>
 <p:sldLayout xmlns:a="http://schemas.openxmlformats.org/drawingml/2006/main" xmlns:r="http://schemas.openxmlformats.org/officeDocument/2006/relationships" xmlns:p="http://schemas.openxmlformats.org/presentationml/2006/main" type="title" preserve="1">
   <p:cSld name="Title Slide">
@@ -906,7 +718,7 @@
           <a:p>
             <a:fld id="{F7EC0C24-E08A-45BE-BC97-03996264C26A}" type="datetimeFigureOut">
               <a:rPr lang="en-US" smtClean="0"/>
-              <a:t>22-Nov-18</a:t>
+              <a:t>28-Nov-18</a:t>
             </a:fld>
             <a:endParaRPr lang="en-US"/>
           </a:p>
@@ -1076,7 +888,7 @@
           <a:p>
             <a:fld id="{F7EC0C24-E08A-45BE-BC97-03996264C26A}" type="datetimeFigureOut">
               <a:rPr lang="en-US" smtClean="0"/>
-              <a:t>22-Nov-18</a:t>
+              <a:t>28-Nov-18</a:t>
             </a:fld>
             <a:endParaRPr lang="en-US"/>
           </a:p>
@@ -1256,7 +1068,7 @@
           <a:p>
             <a:fld id="{F7EC0C24-E08A-45BE-BC97-03996264C26A}" type="datetimeFigureOut">
               <a:rPr lang="en-US" smtClean="0"/>
-              <a:t>22-Nov-18</a:t>
+              <a:t>28-Nov-18</a:t>
             </a:fld>
             <a:endParaRPr lang="en-US"/>
           </a:p>
@@ -1426,7 +1238,7 @@
           <a:p>
             <a:fld id="{F7EC0C24-E08A-45BE-BC97-03996264C26A}" type="datetimeFigureOut">
               <a:rPr lang="en-US" smtClean="0"/>
-              <a:t>22-Nov-18</a:t>
+              <a:t>28-Nov-18</a:t>
             </a:fld>
             <a:endParaRPr lang="en-US"/>
           </a:p>
@@ -1694,7 +1506,7 @@
           <a:p>
             <a:fld id="{F7EC0C24-E08A-45BE-BC97-03996264C26A}" type="datetimeFigureOut">
               <a:rPr lang="en-US" smtClean="0"/>
-              <a:t>22-Nov-18</a:t>
+              <a:t>28-Nov-18</a:t>
             </a:fld>
             <a:endParaRPr lang="en-US"/>
           </a:p>
@@ -1926,7 +1738,7 @@
           <a:p>
             <a:fld id="{F7EC0C24-E08A-45BE-BC97-03996264C26A}" type="datetimeFigureOut">
               <a:rPr lang="en-US" smtClean="0"/>
-              <a:t>22-Nov-18</a:t>
+              <a:t>28-Nov-18</a:t>
             </a:fld>
             <a:endParaRPr lang="en-US"/>
           </a:p>
@@ -2285,7 +2097,7 @@
           <a:p>
             <a:fld id="{F7EC0C24-E08A-45BE-BC97-03996264C26A}" type="datetimeFigureOut">
               <a:rPr lang="en-US" smtClean="0"/>
-              <a:t>22-Nov-18</a:t>
+              <a:t>28-Nov-18</a:t>
             </a:fld>
             <a:endParaRPr lang="en-US"/>
           </a:p>
@@ -2426,7 +2238,7 @@
           <a:p>
             <a:fld id="{F7EC0C24-E08A-45BE-BC97-03996264C26A}" type="datetimeFigureOut">
               <a:rPr lang="en-US" smtClean="0"/>
-              <a:t>22-Nov-18</a:t>
+              <a:t>28-Nov-18</a:t>
             </a:fld>
             <a:endParaRPr lang="en-US"/>
           </a:p>
@@ -2521,7 +2333,7 @@
           <a:p>
             <a:fld id="{F7EC0C24-E08A-45BE-BC97-03996264C26A}" type="datetimeFigureOut">
               <a:rPr lang="en-US" smtClean="0"/>
-              <a:t>22-Nov-18</a:t>
+              <a:t>28-Nov-18</a:t>
             </a:fld>
             <a:endParaRPr lang="en-US"/>
           </a:p>
@@ -2878,7 +2690,7 @@
           <a:p>
             <a:fld id="{F7EC0C24-E08A-45BE-BC97-03996264C26A}" type="datetimeFigureOut">
               <a:rPr lang="en-US" smtClean="0"/>
-              <a:t>22-Nov-18</a:t>
+              <a:t>28-Nov-18</a:t>
             </a:fld>
             <a:endParaRPr lang="en-US"/>
           </a:p>
@@ -3235,7 +3047,7 @@
           <a:p>
             <a:fld id="{F7EC0C24-E08A-45BE-BC97-03996264C26A}" type="datetimeFigureOut">
               <a:rPr lang="en-US" smtClean="0"/>
-              <a:t>22-Nov-18</a:t>
+              <a:t>28-Nov-18</a:t>
             </a:fld>
             <a:endParaRPr lang="en-US"/>
           </a:p>
@@ -3476,7 +3288,7 @@
           <a:p>
             <a:fld id="{F7EC0C24-E08A-45BE-BC97-03996264C26A}" type="datetimeFigureOut">
               <a:rPr lang="en-US" smtClean="0"/>
-              <a:t>22-Nov-18</a:t>
+              <a:t>28-Nov-18</a:t>
             </a:fld>
             <a:endParaRPr lang="en-US"/>
           </a:p>
@@ -4023,213 +3835,6 @@
 </p:sld>
 </file>
 
-<file path=ppt/slides/slide10.xml><?xml version="1.0" encoding="utf-8"?>
-<p:sld xmlns:a="http://schemas.openxmlformats.org/drawingml/2006/main" xmlns:r="http://schemas.openxmlformats.org/officeDocument/2006/relationships" xmlns:p="http://schemas.openxmlformats.org/presentationml/2006/main">
-  <p:cSld>
-    <p:spTree>
-      <p:nvGrpSpPr>
-        <p:cNvPr id="1" name=""/>
-        <p:cNvGrpSpPr/>
-        <p:nvPr/>
-      </p:nvGrpSpPr>
-      <p:grpSpPr>
-        <a:xfrm>
-          <a:off x="0" y="0"/>
-          <a:ext cx="0" cy="0"/>
-          <a:chOff x="0" y="0"/>
-          <a:chExt cx="0" cy="0"/>
-        </a:xfrm>
-      </p:grpSpPr>
-      <p:sp>
-        <p:nvSpPr>
-          <p:cNvPr id="2" name="Title 1"/>
-          <p:cNvSpPr>
-            <a:spLocks noGrp="1"/>
-          </p:cNvSpPr>
-          <p:nvPr>
-            <p:ph type="title"/>
-          </p:nvPr>
-        </p:nvSpPr>
-        <p:spPr/>
-        <p:txBody>
-          <a:bodyPr/>
-          <a:lstStyle/>
-          <a:p>
-            <a:r>
-              <a:rPr lang="en-US" dirty="0" smtClean="0"/>
-              <a:t>Solution:</a:t>
-            </a:r>
-            <a:br>
-              <a:rPr lang="en-US" dirty="0" smtClean="0"/>
-            </a:br>
-            <a:r>
-              <a:rPr lang="en-US" dirty="0" smtClean="0"/>
-              <a:t>Difference Spotting</a:t>
-            </a:r>
-            <a:endParaRPr lang="en-US" dirty="0"/>
-          </a:p>
-        </p:txBody>
-      </p:sp>
-      <p:sp>
-        <p:nvSpPr>
-          <p:cNvPr id="3" name="Content Placeholder 2"/>
-          <p:cNvSpPr>
-            <a:spLocks noGrp="1"/>
-          </p:cNvSpPr>
-          <p:nvPr>
-            <p:ph idx="1"/>
-          </p:nvPr>
-        </p:nvSpPr>
-        <p:spPr/>
-        <p:txBody>
-          <a:bodyPr>
-            <a:normAutofit/>
-          </a:bodyPr>
-          <a:lstStyle/>
-          <a:p>
-            <a:r>
-              <a:rPr lang="en-US" sz="2800" dirty="0" smtClean="0"/>
-              <a:t>Spotting the difference:</a:t>
-            </a:r>
-          </a:p>
-          <a:p>
-            <a:pPr marL="514350" indent="-514350">
-              <a:buFont typeface="+mj-lt"/>
-              <a:buAutoNum type="arabicPeriod"/>
-            </a:pPr>
-            <a:r>
-              <a:rPr lang="en-US" sz="2800" dirty="0"/>
-              <a:t>	</a:t>
-            </a:r>
-            <a:r>
-              <a:rPr lang="en-US" sz="2800" dirty="0" smtClean="0"/>
-              <a:t>Regions of image compared in grayscale</a:t>
-            </a:r>
-            <a:endParaRPr lang="en-US" sz="2600" dirty="0"/>
-          </a:p>
-          <a:p>
-            <a:pPr marL="514350" indent="-514350">
-              <a:buFont typeface="+mj-lt"/>
-              <a:buAutoNum type="arabicPeriod"/>
-            </a:pPr>
-            <a:r>
-              <a:rPr lang="en-US" sz="2600" dirty="0" smtClean="0"/>
-              <a:t>    Sum of pixel values averaged</a:t>
-            </a:r>
-            <a:endParaRPr lang="en-US" sz="2600" dirty="0"/>
-          </a:p>
-          <a:p>
-            <a:pPr marL="514350" indent="-514350">
-              <a:buFont typeface="+mj-lt"/>
-              <a:buAutoNum type="arabicPeriod"/>
-            </a:pPr>
-            <a:r>
-              <a:rPr lang="en-US" sz="2600" dirty="0" smtClean="0"/>
-              <a:t>    Regions exceeding threshold marked as different </a:t>
-            </a:r>
-          </a:p>
-        </p:txBody>
-      </p:sp>
-    </p:spTree>
-    <p:extLst>
-      <p:ext uri="{BB962C8B-B14F-4D97-AF65-F5344CB8AC3E}">
-        <p14:creationId xmlns:p14="http://schemas.microsoft.com/office/powerpoint/2010/main" val="2465364466"/>
-      </p:ext>
-    </p:extLst>
-  </p:cSld>
-  <p:clrMapOvr>
-    <a:masterClrMapping/>
-  </p:clrMapOvr>
-  <p:timing>
-    <p:tnLst>
-      <p:par>
-        <p:cTn id="1" dur="indefinite" restart="never" nodeType="tmRoot"/>
-      </p:par>
-    </p:tnLst>
-  </p:timing>
-</p:sld>
-</file>
-
-<file path=ppt/slides/slide11.xml><?xml version="1.0" encoding="utf-8"?>
-<p:sld xmlns:a="http://schemas.openxmlformats.org/drawingml/2006/main" xmlns:r="http://schemas.openxmlformats.org/officeDocument/2006/relationships" xmlns:p="http://schemas.openxmlformats.org/presentationml/2006/main">
-  <p:cSld>
-    <p:spTree>
-      <p:nvGrpSpPr>
-        <p:cNvPr id="1" name=""/>
-        <p:cNvGrpSpPr/>
-        <p:nvPr/>
-      </p:nvGrpSpPr>
-      <p:grpSpPr>
-        <a:xfrm>
-          <a:off x="0" y="0"/>
-          <a:ext cx="0" cy="0"/>
-          <a:chOff x="0" y="0"/>
-          <a:chExt cx="0" cy="0"/>
-        </a:xfrm>
-      </p:grpSpPr>
-      <p:sp>
-        <p:nvSpPr>
-          <p:cNvPr id="2" name="Title 1"/>
-          <p:cNvSpPr>
-            <a:spLocks noGrp="1"/>
-          </p:cNvSpPr>
-          <p:nvPr>
-            <p:ph type="title"/>
-          </p:nvPr>
-        </p:nvSpPr>
-        <p:spPr/>
-        <p:txBody>
-          <a:bodyPr/>
-          <a:lstStyle/>
-          <a:p>
-            <a:r>
-              <a:rPr lang="en-US" dirty="0" smtClean="0"/>
-              <a:t>Results</a:t>
-            </a:r>
-            <a:endParaRPr lang="en-US" dirty="0"/>
-          </a:p>
-        </p:txBody>
-      </p:sp>
-      <p:sp>
-        <p:nvSpPr>
-          <p:cNvPr id="3" name="Content Placeholder 2"/>
-          <p:cNvSpPr>
-            <a:spLocks noGrp="1"/>
-          </p:cNvSpPr>
-          <p:nvPr>
-            <p:ph idx="1"/>
-          </p:nvPr>
-        </p:nvSpPr>
-        <p:spPr/>
-        <p:txBody>
-          <a:bodyPr/>
-          <a:lstStyle/>
-          <a:p>
-            <a:r>
-              <a:rPr lang="en-US" dirty="0" smtClean="0"/>
-              <a:t>** </a:t>
-            </a:r>
-            <a:r>
-              <a:rPr lang="en-US" smtClean="0"/>
-              <a:t>insert images</a:t>
-            </a:r>
-            <a:endParaRPr lang="en-US" dirty="0"/>
-          </a:p>
-        </p:txBody>
-      </p:sp>
-    </p:spTree>
-    <p:extLst>
-      <p:ext uri="{BB962C8B-B14F-4D97-AF65-F5344CB8AC3E}">
-        <p14:creationId xmlns:p14="http://schemas.microsoft.com/office/powerpoint/2010/main" val="2363097230"/>
-      </p:ext>
-    </p:extLst>
-  </p:cSld>
-  <p:clrMapOvr>
-    <a:masterClrMapping/>
-  </p:clrMapOvr>
-</p:sld>
-</file>
-
 <file path=ppt/slides/slide2.xml><?xml version="1.0" encoding="utf-8"?>
 <p:sld xmlns:a="http://schemas.openxmlformats.org/drawingml/2006/main" xmlns:r="http://schemas.openxmlformats.org/officeDocument/2006/relationships" xmlns:p="http://schemas.openxmlformats.org/presentationml/2006/main">
   <p:cSld>
@@ -4470,10 +4075,18 @@
             </a:r>
             <a:r>
               <a:rPr lang="en-US" sz="2800" dirty="0" smtClean="0"/>
-              <a:t> pixels</a:t>
-            </a:r>
-          </a:p>
-          <a:p>
+              <a:t> </a:t>
+            </a:r>
+            <a:r>
+              <a:rPr lang="en-US" sz="2800" dirty="0" smtClean="0"/>
+              <a:t>pixels</a:t>
+            </a:r>
+          </a:p>
+          <a:p>
+            <a:r>
+              <a:rPr lang="en-US" sz="2800" dirty="0" smtClean="0"/>
+              <a:t>Lighting</a:t>
+            </a:r>
             <a:endParaRPr lang="en-US" dirty="0"/>
           </a:p>
         </p:txBody>
@@ -4530,11 +4143,7 @@
           <a:bodyPr/>
           <a:lstStyle/>
           <a:p>
-            <a:r>
-              <a:rPr lang="en-US" dirty="0" smtClean="0"/>
-              <a:t>Naive approach</a:t>
-            </a:r>
-            <a:endParaRPr lang="en-US" dirty="0"/>
+            <a:endParaRPr lang="en-US"/>
           </a:p>
         </p:txBody>
       </p:sp>
@@ -4550,48 +4159,23 @@
         </p:nvSpPr>
         <p:spPr/>
         <p:txBody>
-          <a:bodyPr>
-            <a:normAutofit/>
-          </a:bodyPr>
-          <a:lstStyle/>
-          <a:p>
-            <a:r>
-              <a:rPr lang="en-US" sz="2800" dirty="0" smtClean="0"/>
-              <a:t>Direct pixel comparison</a:t>
-            </a:r>
-          </a:p>
-          <a:p>
-            <a:r>
-              <a:rPr lang="en-US" sz="2800" dirty="0" smtClean="0"/>
-              <a:t>Impossible given challenges mentioned</a:t>
-            </a:r>
-          </a:p>
-          <a:p>
-            <a:r>
-              <a:rPr lang="en-US" sz="2800" dirty="0" smtClean="0"/>
-              <a:t>Possible on more simple images</a:t>
-            </a:r>
-            <a:endParaRPr lang="en-US" sz="2800" dirty="0"/>
+          <a:bodyPr/>
+          <a:lstStyle/>
+          <a:p>
+            <a:endParaRPr lang="en-US"/>
           </a:p>
         </p:txBody>
       </p:sp>
     </p:spTree>
     <p:extLst>
       <p:ext uri="{BB962C8B-B14F-4D97-AF65-F5344CB8AC3E}">
-        <p14:creationId xmlns:p14="http://schemas.microsoft.com/office/powerpoint/2010/main" val="3044784202"/>
+        <p14:creationId xmlns:p14="http://schemas.microsoft.com/office/powerpoint/2010/main" val="401241465"/>
       </p:ext>
     </p:extLst>
   </p:cSld>
   <p:clrMapOvr>
     <a:masterClrMapping/>
   </p:clrMapOvr>
-  <p:timing>
-    <p:tnLst>
-      <p:par>
-        <p:cTn id="1" dur="indefinite" restart="never" nodeType="tmRoot"/>
-      </p:par>
-    </p:tnLst>
-  </p:timing>
 </p:sld>
 </file>
 
@@ -4622,82 +4206,121 @@
             <p:ph type="title"/>
           </p:nvPr>
         </p:nvSpPr>
-        <p:spPr/>
-        <p:txBody>
-          <a:bodyPr/>
-          <a:lstStyle/>
-          <a:p>
-            <a:r>
-              <a:rPr lang="en-US" dirty="0" smtClean="0"/>
-              <a:t>Naive approach</a:t>
-            </a:r>
-            <a:endParaRPr lang="en-US" dirty="0"/>
-          </a:p>
-        </p:txBody>
-      </p:sp>
-      <p:pic>
-        <p:nvPicPr>
-          <p:cNvPr id="4" name="Content Placeholder 3"/>
-          <p:cNvPicPr>
-            <a:picLocks noGrp="1" noChangeAspect="1"/>
-          </p:cNvPicPr>
-          <p:nvPr>
-            <p:ph idx="1"/>
-          </p:nvPr>
-        </p:nvPicPr>
-        <p:blipFill>
-          <a:blip r:embed="rId3">
-            <a:extLst>
-              <a:ext uri="{28A0092B-C50C-407E-A947-70E740481C1C}">
-                <a14:useLocalDpi xmlns:a14="http://schemas.microsoft.com/office/drawing/2010/main" val="0"/>
-              </a:ext>
-            </a:extLst>
-          </a:blip>
-          <a:stretch>
-            <a:fillRect/>
-          </a:stretch>
-        </p:blipFill>
         <p:spPr>
           <a:xfrm>
-            <a:off x="859705" y="2352097"/>
-            <a:ext cx="5097750" cy="4100223"/>
+            <a:off x="2231136" y="964691"/>
+            <a:ext cx="7729728" cy="1404883"/>
           </a:xfrm>
         </p:spPr>
-      </p:pic>
-      <p:pic>
-        <p:nvPicPr>
-          <p:cNvPr id="5" name="Picture 4"/>
-          <p:cNvPicPr>
-            <a:picLocks noChangeAspect="1"/>
-          </p:cNvPicPr>
-          <p:nvPr/>
-        </p:nvPicPr>
-        <p:blipFill>
-          <a:blip r:embed="rId4">
-            <a:extLst>
-              <a:ext uri="{28A0092B-C50C-407E-A947-70E740481C1C}">
-                <a14:useLocalDpi xmlns:a14="http://schemas.microsoft.com/office/drawing/2010/main" val="0"/>
-              </a:ext>
-            </a:extLst>
-          </a:blip>
-          <a:stretch>
-            <a:fillRect/>
-          </a:stretch>
-        </p:blipFill>
-        <p:spPr>
-          <a:xfrm>
-            <a:off x="6114473" y="2352097"/>
-            <a:ext cx="5403272" cy="4110182"/>
-          </a:xfrm>
-          <a:prstGeom prst="rect">
-            <a:avLst/>
-          </a:prstGeom>
-        </p:spPr>
-      </p:pic>
+        <p:txBody>
+          <a:bodyPr/>
+          <a:lstStyle/>
+          <a:p>
+            <a:r>
+              <a:rPr lang="en-US" dirty="0" smtClean="0"/>
+              <a:t>Solution: </a:t>
+            </a:r>
+            <a:br>
+              <a:rPr lang="en-US" dirty="0" smtClean="0"/>
+            </a:br>
+            <a:r>
+              <a:rPr lang="en-US" dirty="0" smtClean="0"/>
+              <a:t>background extraction</a:t>
+            </a:r>
+            <a:endParaRPr lang="en-US" dirty="0"/>
+          </a:p>
+        </p:txBody>
+      </p:sp>
+      <p:sp>
+        <p:nvSpPr>
+          <p:cNvPr id="3" name="Content Placeholder 2"/>
+          <p:cNvSpPr>
+            <a:spLocks noGrp="1"/>
+          </p:cNvSpPr>
+          <p:nvPr>
+            <p:ph idx="1"/>
+          </p:nvPr>
+        </p:nvSpPr>
+        <p:spPr/>
+        <p:txBody>
+          <a:bodyPr>
+            <a:normAutofit/>
+          </a:bodyPr>
+          <a:lstStyle/>
+          <a:p>
+            <a:r>
+              <a:rPr lang="en-US" sz="2800" dirty="0" smtClean="0"/>
+              <a:t>Background </a:t>
+            </a:r>
+            <a:r>
+              <a:rPr lang="en-US" sz="2800" dirty="0"/>
+              <a:t>extraction: Manual </a:t>
+            </a:r>
+            <a:r>
+              <a:rPr lang="en-US" sz="2800" dirty="0" smtClean="0"/>
+              <a:t>method</a:t>
+            </a:r>
+          </a:p>
+          <a:p>
+            <a:pPr marL="514350" indent="-514350">
+              <a:buFont typeface="+mj-lt"/>
+              <a:buAutoNum type="arabicPeriod"/>
+            </a:pPr>
+            <a:r>
+              <a:rPr lang="en-US" sz="2800" dirty="0"/>
+              <a:t>	</a:t>
+            </a:r>
+            <a:r>
+              <a:rPr lang="en-US" sz="2800" dirty="0" smtClean="0"/>
+              <a:t>YUV extraction, crop based on outline</a:t>
+            </a:r>
+          </a:p>
+          <a:p>
+            <a:pPr marL="514350" indent="-514350">
+              <a:buFont typeface="+mj-lt"/>
+              <a:buAutoNum type="arabicPeriod"/>
+            </a:pPr>
+            <a:r>
+              <a:rPr lang="en-US" sz="2800" dirty="0"/>
+              <a:t>	</a:t>
+            </a:r>
+            <a:r>
+              <a:rPr lang="en-US" sz="2800" dirty="0" smtClean="0"/>
+              <a:t>Dilate output</a:t>
+            </a:r>
+          </a:p>
+          <a:p>
+            <a:pPr marL="514350" indent="-514350">
+              <a:buFont typeface="+mj-lt"/>
+              <a:buAutoNum type="arabicPeriod"/>
+            </a:pPr>
+            <a:r>
+              <a:rPr lang="en-US" sz="2800" dirty="0"/>
+              <a:t>	</a:t>
+            </a:r>
+            <a:r>
+              <a:rPr lang="en-US" sz="2800" dirty="0" smtClean="0"/>
+              <a:t>Median blur, normalize and apply </a:t>
+            </a:r>
+            <a:r>
+              <a:rPr lang="en-US" sz="2800" dirty="0" err="1" smtClean="0"/>
+              <a:t>clahe</a:t>
+            </a:r>
+            <a:endParaRPr lang="en-US" sz="2600" dirty="0" smtClean="0"/>
+          </a:p>
+          <a:p>
+            <a:pPr marL="514350" indent="-514350">
+              <a:buFont typeface="+mj-lt"/>
+              <a:buAutoNum type="arabicPeriod"/>
+            </a:pPr>
+            <a:endParaRPr lang="en-US" dirty="0"/>
+          </a:p>
+        </p:txBody>
+      </p:sp>
     </p:spTree>
     <p:extLst>
       <p:ext uri="{BB962C8B-B14F-4D97-AF65-F5344CB8AC3E}">
-        <p14:creationId xmlns:p14="http://schemas.microsoft.com/office/powerpoint/2010/main" val="2728062174"/>
+        <p14:creationId xmlns:p14="http://schemas.microsoft.com/office/powerpoint/2010/main" val="1283125470"/>
       </p:ext>
     </p:extLst>
   </p:cSld>
@@ -4748,7 +4371,14 @@
           <a:p>
             <a:r>
               <a:rPr lang="en-US" dirty="0" smtClean="0"/>
-              <a:t>Research involved</a:t>
+              <a:t>Solution:</a:t>
+            </a:r>
+            <a:br>
+              <a:rPr lang="en-US" dirty="0" smtClean="0"/>
+            </a:br>
+            <a:r>
+              <a:rPr lang="en-US" dirty="0" smtClean="0"/>
+              <a:t>Difference Spotting</a:t>
             </a:r>
             <a:endParaRPr lang="en-US" dirty="0"/>
           </a:p>
@@ -4764,46 +4394,60 @@
             <p:ph idx="1"/>
           </p:nvPr>
         </p:nvSpPr>
-        <p:spPr>
-          <a:xfrm>
-            <a:off x="2231136" y="2527208"/>
-            <a:ext cx="7729728" cy="3101983"/>
-          </a:xfrm>
-        </p:spPr>
-        <p:txBody>
-          <a:bodyPr/>
+        <p:spPr/>
+        <p:txBody>
+          <a:bodyPr>
+            <a:normAutofit/>
+          </a:bodyPr>
           <a:lstStyle/>
           <a:p>
             <a:r>
               <a:rPr lang="en-US" sz="2800" dirty="0" smtClean="0"/>
-              <a:t>SSIM – Structural Similarity Index (Difference detection)</a:t>
-            </a:r>
-          </a:p>
-          <a:p>
-            <a:r>
-              <a:rPr lang="en-US" sz="2800" dirty="0" err="1" smtClean="0"/>
-              <a:t>OpenCV</a:t>
+              <a:t>Spotting the difference:</a:t>
+            </a:r>
+          </a:p>
+          <a:p>
+            <a:pPr marL="514350" indent="-514350">
+              <a:buFont typeface="+mj-lt"/>
+              <a:buAutoNum type="arabicPeriod"/>
+            </a:pPr>
+            <a:r>
+              <a:rPr lang="en-US" sz="2800" dirty="0"/>
+              <a:t>	</a:t>
             </a:r>
             <a:r>
               <a:rPr lang="en-US" sz="2800" dirty="0" smtClean="0"/>
-              <a:t> Grab Cut (ROI Extraction)</a:t>
-            </a:r>
-          </a:p>
-          <a:p>
-            <a:r>
-              <a:rPr lang="en-US" sz="2800" dirty="0" smtClean="0"/>
-              <a:t>Self made algorithms  (ROI Extraction, difference detection)</a:t>
-            </a:r>
-          </a:p>
-          <a:p>
-            <a:endParaRPr lang="en-US" dirty="0"/>
+              <a:t>Regions of image compared in grayscale</a:t>
+            </a:r>
+            <a:endParaRPr lang="en-US" sz="2600" dirty="0"/>
+          </a:p>
+          <a:p>
+            <a:pPr marL="514350" indent="-514350">
+              <a:buFont typeface="+mj-lt"/>
+              <a:buAutoNum type="arabicPeriod"/>
+            </a:pPr>
+            <a:r>
+              <a:rPr lang="en-US" sz="2600" dirty="0" smtClean="0"/>
+              <a:t>    Sum of pixel values averaged</a:t>
+            </a:r>
+            <a:endParaRPr lang="en-US" sz="2600" dirty="0"/>
+          </a:p>
+          <a:p>
+            <a:pPr marL="514350" indent="-514350">
+              <a:buFont typeface="+mj-lt"/>
+              <a:buAutoNum type="arabicPeriod"/>
+            </a:pPr>
+            <a:r>
+              <a:rPr lang="en-US" sz="2600" dirty="0" smtClean="0"/>
+              <a:t>    Regions exceeding threshold marked as different </a:t>
+            </a:r>
           </a:p>
         </p:txBody>
       </p:sp>
     </p:spTree>
     <p:extLst>
       <p:ext uri="{BB962C8B-B14F-4D97-AF65-F5344CB8AC3E}">
-        <p14:creationId xmlns:p14="http://schemas.microsoft.com/office/powerpoint/2010/main" val="2198277180"/>
+        <p14:creationId xmlns:p14="http://schemas.microsoft.com/office/powerpoint/2010/main" val="2465364466"/>
       </p:ext>
     </p:extLst>
   </p:cSld>
@@ -4847,19 +4491,14 @@
             <p:ph type="title"/>
           </p:nvPr>
         </p:nvSpPr>
-        <p:spPr>
-          <a:xfrm>
-            <a:off x="2476765" y="364328"/>
-            <a:ext cx="7729728" cy="1188720"/>
-          </a:xfrm>
-        </p:spPr>
+        <p:spPr/>
         <p:txBody>
           <a:bodyPr/>
           <a:lstStyle/>
           <a:p>
             <a:r>
               <a:rPr lang="en-US" dirty="0" smtClean="0"/>
-              <a:t>SSIM</a:t>
+              <a:t>Results</a:t>
             </a:r>
             <a:endParaRPr lang="en-US" dirty="0"/>
           </a:p>
@@ -4880,350 +4519,28 @@
           <a:bodyPr/>
           <a:lstStyle/>
           <a:p>
-            <a:endParaRPr lang="en-US"/>
-          </a:p>
-        </p:txBody>
-      </p:sp>
-      <p:pic>
-        <p:nvPicPr>
-          <p:cNvPr id="1026" name="Picture 2" descr="https://i.imgur.com/7HjWast.png1"/>
-          <p:cNvPicPr>
-            <a:picLocks noChangeAspect="1" noChangeArrowheads="1"/>
-          </p:cNvPicPr>
-          <p:nvPr/>
-        </p:nvPicPr>
-        <p:blipFill>
-          <a:blip r:embed="rId2">
-            <a:extLst>
-              <a:ext uri="{28A0092B-C50C-407E-A947-70E740481C1C}">
-                <a14:useLocalDpi xmlns:a14="http://schemas.microsoft.com/office/drawing/2010/main" val="0"/>
-              </a:ext>
-            </a:extLst>
-          </a:blip>
-          <a:srcRect/>
-          <a:stretch>
-            <a:fillRect/>
-          </a:stretch>
-        </p:blipFill>
-        <p:spPr bwMode="auto">
-          <a:xfrm>
-            <a:off x="1690255" y="1662544"/>
-            <a:ext cx="9293513" cy="4615511"/>
-          </a:xfrm>
-          <a:prstGeom prst="rect">
-            <a:avLst/>
-          </a:prstGeom>
-          <a:noFill/>
-          <a:extLst>
-            <a:ext uri="{909E8E84-426E-40DD-AFC4-6F175D3DCCD1}">
-              <a14:hiddenFill xmlns:a14="http://schemas.microsoft.com/office/drawing/2010/main">
-                <a:solidFill>
-                  <a:srgbClr val="FFFFFF"/>
-                </a:solidFill>
-              </a14:hiddenFill>
-            </a:ext>
-          </a:extLst>
-        </p:spPr>
-      </p:pic>
+            <a:r>
+              <a:rPr lang="en-US" dirty="0" smtClean="0"/>
+              <a:t>** </a:t>
+            </a:r>
+            <a:r>
+              <a:rPr lang="en-US" smtClean="0"/>
+              <a:t>insert images</a:t>
+            </a:r>
+            <a:endParaRPr lang="en-US" dirty="0"/>
+          </a:p>
+        </p:txBody>
+      </p:sp>
     </p:spTree>
     <p:extLst>
       <p:ext uri="{BB962C8B-B14F-4D97-AF65-F5344CB8AC3E}">
-        <p14:creationId xmlns:p14="http://schemas.microsoft.com/office/powerpoint/2010/main" val="291634918"/>
+        <p14:creationId xmlns:p14="http://schemas.microsoft.com/office/powerpoint/2010/main" val="2363097230"/>
       </p:ext>
     </p:extLst>
   </p:cSld>
   <p:clrMapOvr>
     <a:masterClrMapping/>
   </p:clrMapOvr>
-  <p:timing>
-    <p:tnLst>
-      <p:par>
-        <p:cTn id="1" dur="indefinite" restart="never" nodeType="tmRoot"/>
-      </p:par>
-    </p:tnLst>
-  </p:timing>
-</p:sld>
-</file>
-
-<file path=ppt/slides/slide8.xml><?xml version="1.0" encoding="utf-8"?>
-<p:sld xmlns:a="http://schemas.openxmlformats.org/drawingml/2006/main" xmlns:r="http://schemas.openxmlformats.org/officeDocument/2006/relationships" xmlns:p="http://schemas.openxmlformats.org/presentationml/2006/main">
-  <p:cSld>
-    <p:spTree>
-      <p:nvGrpSpPr>
-        <p:cNvPr id="1" name=""/>
-        <p:cNvGrpSpPr/>
-        <p:nvPr/>
-      </p:nvGrpSpPr>
-      <p:grpSpPr>
-        <a:xfrm>
-          <a:off x="0" y="0"/>
-          <a:ext cx="0" cy="0"/>
-          <a:chOff x="0" y="0"/>
-          <a:chExt cx="0" cy="0"/>
-        </a:xfrm>
-      </p:grpSpPr>
-      <p:sp>
-        <p:nvSpPr>
-          <p:cNvPr id="2" name="Title 1"/>
-          <p:cNvSpPr>
-            <a:spLocks noGrp="1"/>
-          </p:cNvSpPr>
-          <p:nvPr>
-            <p:ph type="title"/>
-          </p:nvPr>
-        </p:nvSpPr>
-        <p:spPr/>
-        <p:txBody>
-          <a:bodyPr/>
-          <a:lstStyle/>
-          <a:p>
-            <a:r>
-              <a:rPr lang="en-US" dirty="0" err="1" smtClean="0"/>
-              <a:t>Opencv</a:t>
-            </a:r>
-            <a:r>
-              <a:rPr lang="en-US" dirty="0" smtClean="0"/>
-              <a:t> Grab cut</a:t>
-            </a:r>
-            <a:endParaRPr lang="en-US" dirty="0"/>
-          </a:p>
-        </p:txBody>
-      </p:sp>
-      <p:sp>
-        <p:nvSpPr>
-          <p:cNvPr id="3" name="Content Placeholder 2"/>
-          <p:cNvSpPr>
-            <a:spLocks noGrp="1"/>
-          </p:cNvSpPr>
-          <p:nvPr>
-            <p:ph idx="1"/>
-          </p:nvPr>
-        </p:nvSpPr>
-        <p:spPr/>
-        <p:txBody>
-          <a:bodyPr/>
-          <a:lstStyle/>
-          <a:p>
-            <a:endParaRPr lang="en-US"/>
-          </a:p>
-        </p:txBody>
-      </p:sp>
-      <p:pic>
-        <p:nvPicPr>
-          <p:cNvPr id="3074" name="Picture 2" descr="https://i.imgur.com/8GWII8Y.png"/>
-          <p:cNvPicPr>
-            <a:picLocks noChangeAspect="1" noChangeArrowheads="1"/>
-          </p:cNvPicPr>
-          <p:nvPr/>
-        </p:nvPicPr>
-        <p:blipFill>
-          <a:blip r:embed="rId2">
-            <a:extLst>
-              <a:ext uri="{28A0092B-C50C-407E-A947-70E740481C1C}">
-                <a14:useLocalDpi xmlns:a14="http://schemas.microsoft.com/office/drawing/2010/main" val="0"/>
-              </a:ext>
-            </a:extLst>
-          </a:blip>
-          <a:srcRect/>
-          <a:stretch>
-            <a:fillRect/>
-          </a:stretch>
-        </p:blipFill>
-        <p:spPr bwMode="auto">
-          <a:xfrm>
-            <a:off x="3072967" y="2412624"/>
-            <a:ext cx="6046066" cy="4049944"/>
-          </a:xfrm>
-          <a:prstGeom prst="rect">
-            <a:avLst/>
-          </a:prstGeom>
-          <a:noFill/>
-          <a:extLst>
-            <a:ext uri="{909E8E84-426E-40DD-AFC4-6F175D3DCCD1}">
-              <a14:hiddenFill xmlns:a14="http://schemas.microsoft.com/office/drawing/2010/main">
-                <a:solidFill>
-                  <a:srgbClr val="FFFFFF"/>
-                </a:solidFill>
-              </a14:hiddenFill>
-            </a:ext>
-          </a:extLst>
-        </p:spPr>
-      </p:pic>
-    </p:spTree>
-    <p:extLst>
-      <p:ext uri="{BB962C8B-B14F-4D97-AF65-F5344CB8AC3E}">
-        <p14:creationId xmlns:p14="http://schemas.microsoft.com/office/powerpoint/2010/main" val="2394333338"/>
-      </p:ext>
-    </p:extLst>
-  </p:cSld>
-  <p:clrMapOvr>
-    <a:masterClrMapping/>
-  </p:clrMapOvr>
-  <p:timing>
-    <p:tnLst>
-      <p:par>
-        <p:cTn id="1" dur="indefinite" restart="never" nodeType="tmRoot"/>
-      </p:par>
-    </p:tnLst>
-  </p:timing>
-</p:sld>
-</file>
-
-<file path=ppt/slides/slide9.xml><?xml version="1.0" encoding="utf-8"?>
-<p:sld xmlns:a="http://schemas.openxmlformats.org/drawingml/2006/main" xmlns:r="http://schemas.openxmlformats.org/officeDocument/2006/relationships" xmlns:p="http://schemas.openxmlformats.org/presentationml/2006/main">
-  <p:cSld>
-    <p:spTree>
-      <p:nvGrpSpPr>
-        <p:cNvPr id="1" name=""/>
-        <p:cNvGrpSpPr/>
-        <p:nvPr/>
-      </p:nvGrpSpPr>
-      <p:grpSpPr>
-        <a:xfrm>
-          <a:off x="0" y="0"/>
-          <a:ext cx="0" cy="0"/>
-          <a:chOff x="0" y="0"/>
-          <a:chExt cx="0" cy="0"/>
-        </a:xfrm>
-      </p:grpSpPr>
-      <p:sp>
-        <p:nvSpPr>
-          <p:cNvPr id="2" name="Title 1"/>
-          <p:cNvSpPr>
-            <a:spLocks noGrp="1"/>
-          </p:cNvSpPr>
-          <p:nvPr>
-            <p:ph type="title"/>
-          </p:nvPr>
-        </p:nvSpPr>
-        <p:spPr>
-          <a:xfrm>
-            <a:off x="2231136" y="964691"/>
-            <a:ext cx="7729728" cy="1404883"/>
-          </a:xfrm>
-        </p:spPr>
-        <p:txBody>
-          <a:bodyPr/>
-          <a:lstStyle/>
-          <a:p>
-            <a:r>
-              <a:rPr lang="en-US" dirty="0" smtClean="0"/>
-              <a:t>Solution: </a:t>
-            </a:r>
-            <a:br>
-              <a:rPr lang="en-US" dirty="0" smtClean="0"/>
-            </a:br>
-            <a:r>
-              <a:rPr lang="en-US" dirty="0" smtClean="0"/>
-              <a:t>background extraction</a:t>
-            </a:r>
-            <a:endParaRPr lang="en-US" dirty="0"/>
-          </a:p>
-        </p:txBody>
-      </p:sp>
-      <p:sp>
-        <p:nvSpPr>
-          <p:cNvPr id="3" name="Content Placeholder 2"/>
-          <p:cNvSpPr>
-            <a:spLocks noGrp="1"/>
-          </p:cNvSpPr>
-          <p:nvPr>
-            <p:ph idx="1"/>
-          </p:nvPr>
-        </p:nvSpPr>
-        <p:spPr/>
-        <p:txBody>
-          <a:bodyPr>
-            <a:normAutofit/>
-          </a:bodyPr>
-          <a:lstStyle/>
-          <a:p>
-            <a:r>
-              <a:rPr lang="en-US" sz="2800" dirty="0" smtClean="0"/>
-              <a:t>Background </a:t>
-            </a:r>
-            <a:r>
-              <a:rPr lang="en-US" sz="2800" dirty="0"/>
-              <a:t>extraction: Manual </a:t>
-            </a:r>
-            <a:r>
-              <a:rPr lang="en-US" sz="2800" dirty="0" smtClean="0"/>
-              <a:t>method</a:t>
-            </a:r>
-          </a:p>
-          <a:p>
-            <a:pPr marL="514350" indent="-514350">
-              <a:buFont typeface="+mj-lt"/>
-              <a:buAutoNum type="arabicPeriod"/>
-            </a:pPr>
-            <a:r>
-              <a:rPr lang="en-US" sz="2800" dirty="0"/>
-              <a:t>	</a:t>
-            </a:r>
-            <a:r>
-              <a:rPr lang="en-US" sz="2800" dirty="0" smtClean="0"/>
-              <a:t>YUV extraction, crop based on outline</a:t>
-            </a:r>
-          </a:p>
-          <a:p>
-            <a:pPr marL="514350" indent="-514350">
-              <a:buFont typeface="+mj-lt"/>
-              <a:buAutoNum type="arabicPeriod"/>
-            </a:pPr>
-            <a:r>
-              <a:rPr lang="en-US" sz="2800" dirty="0"/>
-              <a:t>	</a:t>
-            </a:r>
-            <a:r>
-              <a:rPr lang="en-US" sz="2800" dirty="0" smtClean="0"/>
-              <a:t>Dilate output</a:t>
-            </a:r>
-          </a:p>
-          <a:p>
-            <a:pPr marL="514350" indent="-514350">
-              <a:buFont typeface="+mj-lt"/>
-              <a:buAutoNum type="arabicPeriod"/>
-            </a:pPr>
-            <a:r>
-              <a:rPr lang="en-US" sz="2800" dirty="0"/>
-              <a:t>	</a:t>
-            </a:r>
-            <a:r>
-              <a:rPr lang="en-US" sz="2800" dirty="0" smtClean="0"/>
-              <a:t>Median blur, normalize and apply </a:t>
-            </a:r>
-            <a:r>
-              <a:rPr lang="en-US" sz="2800" dirty="0" err="1" smtClean="0"/>
-              <a:t>clahe</a:t>
-            </a:r>
-            <a:endParaRPr lang="en-US" sz="2600" dirty="0" smtClean="0"/>
-          </a:p>
-          <a:p>
-            <a:pPr marL="514350" indent="-514350">
-              <a:buFont typeface="+mj-lt"/>
-              <a:buAutoNum type="arabicPeriod"/>
-            </a:pPr>
-            <a:endParaRPr lang="en-US" dirty="0"/>
-          </a:p>
-        </p:txBody>
-      </p:sp>
-    </p:spTree>
-    <p:extLst>
-      <p:ext uri="{BB962C8B-B14F-4D97-AF65-F5344CB8AC3E}">
-        <p14:creationId xmlns:p14="http://schemas.microsoft.com/office/powerpoint/2010/main" val="1283125470"/>
-      </p:ext>
-    </p:extLst>
-  </p:cSld>
-  <p:clrMapOvr>
-    <a:masterClrMapping/>
-  </p:clrMapOvr>
-  <p:timing>
-    <p:tnLst>
-      <p:par>
-        <p:cTn id="1" dur="indefinite" restart="never" nodeType="tmRoot"/>
-      </p:par>
-    </p:tnLst>
-  </p:timing>
 </p:sld>
 </file>
 
